--- a/Suicide Across the World.pptx
+++ b/Suicide Across the World.pptx
@@ -32847,7 +32847,7 @@
               </a:lnSpc>
             </a:pPr>
             <a:r>
-              <a:rPr lang="en-US" sz="1400" dirty="0">
+              <a:rPr lang="en-US" sz="1400" b="1" dirty="0">
                 <a:solidFill>
                   <a:schemeClr val="tx1">
                     <a:lumMod val="75000"/>
@@ -32993,7 +32993,7 @@
               </a:lnSpc>
             </a:pPr>
             <a:r>
-              <a:rPr lang="en-US" sz="1400" dirty="0">
+              <a:rPr lang="en-US" sz="1400" b="1" dirty="0">
                 <a:solidFill>
                   <a:schemeClr val="tx1">
                     <a:lumMod val="75000"/>
@@ -33128,7 +33128,7 @@
               </a:lnSpc>
             </a:pPr>
             <a:r>
-              <a:rPr lang="en-US" sz="1400" dirty="0">
+              <a:rPr lang="en-US" sz="1400" b="1" dirty="0">
                 <a:solidFill>
                   <a:schemeClr val="tx1">
                     <a:lumMod val="75000"/>
@@ -33419,7 +33419,7 @@
               </a:lnSpc>
             </a:pPr>
             <a:r>
-              <a:rPr lang="en-US" sz="1400" dirty="0">
+              <a:rPr lang="en-US" sz="1400" b="1" dirty="0">
                 <a:solidFill>
                   <a:schemeClr val="tx1">
                     <a:lumMod val="75000"/>
@@ -33517,6 +33517,61 @@
                 <a:cs typeface="Segoe UI" panose="020B0502040204020203" pitchFamily="34" charset="0"/>
               </a:rPr>
               <a:t>Regression Slope (b)</a:t>
+            </a:r>
+          </a:p>
+        </p:txBody>
+      </p:sp>
+      <p:sp>
+        <p:nvSpPr>
+          <p:cNvPr id="2" name="TextBox 1">
+            <a:extLst>
+              <a:ext uri="{FF2B5EF4-FFF2-40B4-BE49-F238E27FC236}">
+                <a16:creationId xmlns:a16="http://schemas.microsoft.com/office/drawing/2014/main" id="{B54A8E57-4377-49B5-8C44-69582A61978D}"/>
+              </a:ext>
+            </a:extLst>
+          </p:cNvPr>
+          <p:cNvSpPr txBox="1"/>
+          <p:nvPr/>
+        </p:nvSpPr>
+        <p:spPr>
+          <a:xfrm>
+            <a:off x="1927589" y="5918420"/>
+            <a:ext cx="7532804" cy="923330"/>
+          </a:xfrm>
+          <a:prstGeom prst="rect">
+            <a:avLst/>
+          </a:prstGeom>
+          <a:noFill/>
+        </p:spPr>
+        <p:txBody>
+          <a:bodyPr wrap="square" rtlCol="0">
+            <a:spAutoFit/>
+          </a:bodyPr>
+          <a:lstStyle/>
+          <a:p>
+            <a:r>
+              <a:rPr lang="en-US" b="1" dirty="0"/>
+              <a:t>Conclusions:  </a:t>
+            </a:r>
+          </a:p>
+          <a:p>
+            <a:pPr marL="285750" indent="-285750">
+              <a:buFontTx/>
+              <a:buChar char="-"/>
+            </a:pPr>
+            <a:r>
+              <a:rPr lang="en-US" b="1" dirty="0"/>
+              <a:t>Suicide rates appear to be strongly correlated with increased latitudes</a:t>
+            </a:r>
+          </a:p>
+          <a:p>
+            <a:pPr marL="285750" indent="-285750">
+              <a:buFontTx/>
+              <a:buChar char="-"/>
+            </a:pPr>
+            <a:r>
+              <a:rPr lang="en-US" b="1" dirty="0"/>
+              <a:t>This correlation decreased slightly from 2005 to 2015</a:t>
             </a:r>
           </a:p>
         </p:txBody>
@@ -33991,6 +34046,65 @@
                 <a:cs typeface="Segoe UI" panose="020B0502040204020203" pitchFamily="34" charset="0"/>
               </a:rPr>
               <a:t>2015</a:t>
+            </a:r>
+          </a:p>
+        </p:txBody>
+      </p:sp>
+      <p:sp>
+        <p:nvSpPr>
+          <p:cNvPr id="13" name="TextBox 12">
+            <a:extLst>
+              <a:ext uri="{FF2B5EF4-FFF2-40B4-BE49-F238E27FC236}">
+                <a16:creationId xmlns:a16="http://schemas.microsoft.com/office/drawing/2014/main" id="{9355D101-0FB2-4286-97A3-A9D4D466BB2B}"/>
+              </a:ext>
+            </a:extLst>
+          </p:cNvPr>
+          <p:cNvSpPr txBox="1"/>
+          <p:nvPr/>
+        </p:nvSpPr>
+        <p:spPr>
+          <a:xfrm>
+            <a:off x="3710782" y="5416720"/>
+            <a:ext cx="7532804" cy="1477328"/>
+          </a:xfrm>
+          <a:prstGeom prst="rect">
+            <a:avLst/>
+          </a:prstGeom>
+          <a:solidFill>
+            <a:schemeClr val="bg1">
+              <a:alpha val="45000"/>
+            </a:schemeClr>
+          </a:solidFill>
+        </p:spPr>
+        <p:txBody>
+          <a:bodyPr wrap="square" rtlCol="0">
+            <a:spAutoFit/>
+          </a:bodyPr>
+          <a:lstStyle/>
+          <a:p>
+            <a:r>
+              <a:rPr lang="en-US" b="1" dirty="0"/>
+              <a:t>Conclusions:  </a:t>
+            </a:r>
+          </a:p>
+          <a:p>
+            <a:pPr marL="285750" indent="-285750">
+              <a:buFontTx/>
+              <a:buChar char="-"/>
+            </a:pPr>
+            <a:r>
+              <a:rPr lang="en-US" b="1" dirty="0"/>
+              <a:t>Eastern Europe and, Korea and Japan clearly have higher that average suicide rates</a:t>
+            </a:r>
+          </a:p>
+          <a:p>
+            <a:pPr marL="285750" indent="-285750">
+              <a:buFontTx/>
+              <a:buChar char="-"/>
+            </a:pPr>
+            <a:r>
+              <a:rPr lang="en-US" b="1" dirty="0"/>
+              <a:t>Suicide reporting to Who varies and African nations have little data in the data set used for analysis</a:t>
             </a:r>
           </a:p>
         </p:txBody>
